--- a/Score/Scorings.pptx
+++ b/Score/Scorings.pptx
@@ -106,6 +106,11 @@
       </a:defRPr>
     </a:lvl9pPr>
   </p:defaultTextStyle>
+  <p:extLst>
+    <p:ext uri="{EFAFB233-063F-42B5-8137-9DF3F51BA10A}">
+      <p15:sldGuideLst xmlns:p15="http://schemas.microsoft.com/office/powerpoint/2012/main"/>
+    </p:ext>
+  </p:extLst>
 </p:presentation>
 </file>
 
@@ -5989,9 +5994,7 @@
             <a:schemeClr val="bg1"/>
           </a:solidFill>
           <a:ln w="28575">
-            <a:solidFill>
-              <a:schemeClr val="tx1"/>
-            </a:solidFill>
+            <a:noFill/>
           </a:ln>
           <a:effectLst/>
         </p:spPr>
@@ -6569,7 +6572,7 @@
         <p:spPr>
           <a:xfrm>
             <a:off x="1159898" y="569263"/>
-            <a:ext cx="3882459" cy="523220"/>
+            <a:ext cx="3882459" cy="1384995"/>
           </a:xfrm>
           <a:prstGeom prst="rect">
             <a:avLst/>
@@ -6584,11 +6587,8 @@
           <a:p>
             <a:pPr algn="ctr"/>
             <a:r>
-              <a:rPr lang="en-US" sz="2800" b="0" cap="none" spc="0" dirty="0">
+              <a:rPr lang="en-US" sz="2800" dirty="0">
                 <a:ln w="0"/>
-                <a:solidFill>
-                  <a:schemeClr val="tx1"/>
-                </a:solidFill>
                 <a:effectLst>
                   <a:outerShdw blurRad="38100" dist="19050" dir="2700000" algn="tl" rotWithShape="0">
                     <a:schemeClr val="dk1">
@@ -6597,8 +6597,652 @@
                   </a:outerShdw>
                 </a:effectLst>
               </a:rPr>
-              <a:t>You are at high Risk</a:t>
+              <a:t>You are at High Risk !  Do consult Doctor immediately.</a:t>
             </a:r>
+            <a:endParaRPr lang="en-US" sz="2800" b="0" cap="none" spc="0" dirty="0">
+              <a:ln w="0"/>
+              <a:solidFill>
+                <a:schemeClr val="tx1"/>
+              </a:solidFill>
+              <a:effectLst>
+                <a:outerShdw blurRad="38100" dist="19050" dir="2700000" algn="tl" rotWithShape="0">
+                  <a:schemeClr val="dk1">
+                    <a:alpha val="40000"/>
+                  </a:schemeClr>
+                </a:outerShdw>
+              </a:effectLst>
+            </a:endParaRPr>
+          </a:p>
+        </p:txBody>
+      </p:sp>
+      <p:sp>
+        <p:nvSpPr>
+          <p:cNvPr id="16" name="Rectangle: Rounded Corners 15">
+            <a:extLst>
+              <a:ext uri="{FF2B5EF4-FFF2-40B4-BE49-F238E27FC236}">
+                <a16:creationId xmlns:a16="http://schemas.microsoft.com/office/drawing/2014/main" id="{5F1F99B1-5E99-4495-A5CA-B319B0E653AE}"/>
+              </a:ext>
+            </a:extLst>
+          </p:cNvPr>
+          <p:cNvSpPr/>
+          <p:nvPr/>
+        </p:nvSpPr>
+        <p:spPr>
+          <a:xfrm>
+            <a:off x="6123964" y="385894"/>
+            <a:ext cx="4731391" cy="2432807"/>
+          </a:xfrm>
+          <a:prstGeom prst="roundRect">
+            <a:avLst/>
+          </a:prstGeom>
+          <a:solidFill>
+            <a:schemeClr val="bg1"/>
+          </a:solidFill>
+          <a:ln w="28575">
+            <a:noFill/>
+          </a:ln>
+          <a:effectLst/>
+        </p:spPr>
+        <p:style>
+          <a:lnRef idx="1">
+            <a:schemeClr val="accent5"/>
+          </a:lnRef>
+          <a:fillRef idx="2">
+            <a:schemeClr val="accent5"/>
+          </a:fillRef>
+          <a:effectRef idx="1">
+            <a:schemeClr val="accent5"/>
+          </a:effectRef>
+          <a:fontRef idx="minor">
+            <a:schemeClr val="dk1"/>
+          </a:fontRef>
+        </p:style>
+        <p:txBody>
+          <a:bodyPr rtlCol="0" anchor="ctr"/>
+          <a:lstStyle/>
+          <a:p>
+            <a:pPr algn="ctr"/>
+            <a:endParaRPr lang="en-US"/>
+          </a:p>
+        </p:txBody>
+      </p:sp>
+      <p:sp>
+        <p:nvSpPr>
+          <p:cNvPr id="17" name="Rectangle 16">
+            <a:extLst>
+              <a:ext uri="{FF2B5EF4-FFF2-40B4-BE49-F238E27FC236}">
+                <a16:creationId xmlns:a16="http://schemas.microsoft.com/office/drawing/2014/main" id="{4E825439-9839-4798-9AF5-5FAA6BCCF8E6}"/>
+              </a:ext>
+            </a:extLst>
+          </p:cNvPr>
+          <p:cNvSpPr/>
+          <p:nvPr/>
+        </p:nvSpPr>
+        <p:spPr>
+          <a:xfrm>
+            <a:off x="6336488" y="2239862"/>
+            <a:ext cx="427839" cy="167779"/>
+          </a:xfrm>
+          <a:prstGeom prst="rect">
+            <a:avLst/>
+          </a:prstGeom>
+          <a:solidFill>
+            <a:srgbClr val="00B050"/>
+          </a:solidFill>
+        </p:spPr>
+        <p:style>
+          <a:lnRef idx="2">
+            <a:schemeClr val="accent1">
+              <a:shade val="50000"/>
+            </a:schemeClr>
+          </a:lnRef>
+          <a:fillRef idx="1">
+            <a:schemeClr val="accent1"/>
+          </a:fillRef>
+          <a:effectRef idx="0">
+            <a:schemeClr val="accent1"/>
+          </a:effectRef>
+          <a:fontRef idx="minor">
+            <a:schemeClr val="lt1"/>
+          </a:fontRef>
+        </p:style>
+        <p:txBody>
+          <a:bodyPr rtlCol="0" anchor="ctr"/>
+          <a:lstStyle/>
+          <a:p>
+            <a:pPr algn="ctr"/>
+            <a:endParaRPr lang="en-US"/>
+          </a:p>
+        </p:txBody>
+      </p:sp>
+      <p:sp>
+        <p:nvSpPr>
+          <p:cNvPr id="18" name="Rectangle 17">
+            <a:extLst>
+              <a:ext uri="{FF2B5EF4-FFF2-40B4-BE49-F238E27FC236}">
+                <a16:creationId xmlns:a16="http://schemas.microsoft.com/office/drawing/2014/main" id="{58155D36-0AC9-4D85-A246-D6C44B58202F}"/>
+              </a:ext>
+            </a:extLst>
+          </p:cNvPr>
+          <p:cNvSpPr/>
+          <p:nvPr/>
+        </p:nvSpPr>
+        <p:spPr>
+          <a:xfrm>
+            <a:off x="6764327" y="2239861"/>
+            <a:ext cx="427839" cy="167779"/>
+          </a:xfrm>
+          <a:prstGeom prst="rect">
+            <a:avLst/>
+          </a:prstGeom>
+          <a:solidFill>
+            <a:srgbClr val="00B050"/>
+          </a:solidFill>
+        </p:spPr>
+        <p:style>
+          <a:lnRef idx="2">
+            <a:schemeClr val="accent1">
+              <a:shade val="50000"/>
+            </a:schemeClr>
+          </a:lnRef>
+          <a:fillRef idx="1">
+            <a:schemeClr val="accent1"/>
+          </a:fillRef>
+          <a:effectRef idx="0">
+            <a:schemeClr val="accent1"/>
+          </a:effectRef>
+          <a:fontRef idx="minor">
+            <a:schemeClr val="lt1"/>
+          </a:fontRef>
+        </p:style>
+        <p:txBody>
+          <a:bodyPr rtlCol="0" anchor="ctr"/>
+          <a:lstStyle/>
+          <a:p>
+            <a:pPr algn="ctr"/>
+            <a:endParaRPr lang="en-US"/>
+          </a:p>
+        </p:txBody>
+      </p:sp>
+      <p:sp>
+        <p:nvSpPr>
+          <p:cNvPr id="19" name="Rectangle 18">
+            <a:extLst>
+              <a:ext uri="{FF2B5EF4-FFF2-40B4-BE49-F238E27FC236}">
+                <a16:creationId xmlns:a16="http://schemas.microsoft.com/office/drawing/2014/main" id="{9894BB2E-E0B8-46BF-9EAA-9EA750032261}"/>
+              </a:ext>
+            </a:extLst>
+          </p:cNvPr>
+          <p:cNvSpPr/>
+          <p:nvPr/>
+        </p:nvSpPr>
+        <p:spPr>
+          <a:xfrm>
+            <a:off x="7192166" y="2239860"/>
+            <a:ext cx="427839" cy="167779"/>
+          </a:xfrm>
+          <a:prstGeom prst="rect">
+            <a:avLst/>
+          </a:prstGeom>
+          <a:solidFill>
+            <a:srgbClr val="00B050"/>
+          </a:solidFill>
+        </p:spPr>
+        <p:style>
+          <a:lnRef idx="2">
+            <a:schemeClr val="accent1">
+              <a:shade val="50000"/>
+            </a:schemeClr>
+          </a:lnRef>
+          <a:fillRef idx="1">
+            <a:schemeClr val="accent1"/>
+          </a:fillRef>
+          <a:effectRef idx="0">
+            <a:schemeClr val="accent1"/>
+          </a:effectRef>
+          <a:fontRef idx="minor">
+            <a:schemeClr val="lt1"/>
+          </a:fontRef>
+        </p:style>
+        <p:txBody>
+          <a:bodyPr rtlCol="0" anchor="ctr"/>
+          <a:lstStyle/>
+          <a:p>
+            <a:pPr algn="ctr"/>
+            <a:endParaRPr lang="en-US"/>
+          </a:p>
+        </p:txBody>
+      </p:sp>
+      <p:sp>
+        <p:nvSpPr>
+          <p:cNvPr id="20" name="Rectangle 19">
+            <a:extLst>
+              <a:ext uri="{FF2B5EF4-FFF2-40B4-BE49-F238E27FC236}">
+                <a16:creationId xmlns:a16="http://schemas.microsoft.com/office/drawing/2014/main" id="{75C8C4B5-435F-4580-80EB-DF16A384586F}"/>
+              </a:ext>
+            </a:extLst>
+          </p:cNvPr>
+          <p:cNvSpPr/>
+          <p:nvPr/>
+        </p:nvSpPr>
+        <p:spPr>
+          <a:xfrm>
+            <a:off x="7617204" y="2239861"/>
+            <a:ext cx="427839" cy="167779"/>
+          </a:xfrm>
+          <a:prstGeom prst="rect">
+            <a:avLst/>
+          </a:prstGeom>
+          <a:noFill/>
+        </p:spPr>
+        <p:style>
+          <a:lnRef idx="2">
+            <a:schemeClr val="accent1">
+              <a:shade val="50000"/>
+            </a:schemeClr>
+          </a:lnRef>
+          <a:fillRef idx="1">
+            <a:schemeClr val="accent1"/>
+          </a:fillRef>
+          <a:effectRef idx="0">
+            <a:schemeClr val="accent1"/>
+          </a:effectRef>
+          <a:fontRef idx="minor">
+            <a:schemeClr val="lt1"/>
+          </a:fontRef>
+        </p:style>
+        <p:txBody>
+          <a:bodyPr rtlCol="0" anchor="ctr"/>
+          <a:lstStyle/>
+          <a:p>
+            <a:pPr algn="ctr"/>
+            <a:endParaRPr lang="en-US"/>
+          </a:p>
+        </p:txBody>
+      </p:sp>
+      <p:sp>
+        <p:nvSpPr>
+          <p:cNvPr id="21" name="Rectangle 20">
+            <a:extLst>
+              <a:ext uri="{FF2B5EF4-FFF2-40B4-BE49-F238E27FC236}">
+                <a16:creationId xmlns:a16="http://schemas.microsoft.com/office/drawing/2014/main" id="{1A81E6F9-9511-49E9-BDD9-22A26FA73EDA}"/>
+              </a:ext>
+            </a:extLst>
+          </p:cNvPr>
+          <p:cNvSpPr/>
+          <p:nvPr/>
+        </p:nvSpPr>
+        <p:spPr>
+          <a:xfrm>
+            <a:off x="8045043" y="2239860"/>
+            <a:ext cx="427839" cy="167779"/>
+          </a:xfrm>
+          <a:prstGeom prst="rect">
+            <a:avLst/>
+          </a:prstGeom>
+          <a:noFill/>
+        </p:spPr>
+        <p:style>
+          <a:lnRef idx="2">
+            <a:schemeClr val="accent1">
+              <a:shade val="50000"/>
+            </a:schemeClr>
+          </a:lnRef>
+          <a:fillRef idx="1">
+            <a:schemeClr val="accent1"/>
+          </a:fillRef>
+          <a:effectRef idx="0">
+            <a:schemeClr val="accent1"/>
+          </a:effectRef>
+          <a:fontRef idx="minor">
+            <a:schemeClr val="lt1"/>
+          </a:fontRef>
+        </p:style>
+        <p:txBody>
+          <a:bodyPr rtlCol="0" anchor="ctr"/>
+          <a:lstStyle/>
+          <a:p>
+            <a:pPr algn="ctr"/>
+            <a:endParaRPr lang="en-US"/>
+          </a:p>
+        </p:txBody>
+      </p:sp>
+      <p:sp>
+        <p:nvSpPr>
+          <p:cNvPr id="22" name="Rectangle 21">
+            <a:extLst>
+              <a:ext uri="{FF2B5EF4-FFF2-40B4-BE49-F238E27FC236}">
+                <a16:creationId xmlns:a16="http://schemas.microsoft.com/office/drawing/2014/main" id="{4B7CD283-E072-4CA1-A67A-AFA0A4F96A86}"/>
+              </a:ext>
+            </a:extLst>
+          </p:cNvPr>
+          <p:cNvSpPr/>
+          <p:nvPr/>
+        </p:nvSpPr>
+        <p:spPr>
+          <a:xfrm>
+            <a:off x="8472882" y="2239859"/>
+            <a:ext cx="427839" cy="167779"/>
+          </a:xfrm>
+          <a:prstGeom prst="rect">
+            <a:avLst/>
+          </a:prstGeom>
+          <a:noFill/>
+        </p:spPr>
+        <p:style>
+          <a:lnRef idx="2">
+            <a:schemeClr val="accent1">
+              <a:shade val="50000"/>
+            </a:schemeClr>
+          </a:lnRef>
+          <a:fillRef idx="1">
+            <a:schemeClr val="accent1"/>
+          </a:fillRef>
+          <a:effectRef idx="0">
+            <a:schemeClr val="accent1"/>
+          </a:effectRef>
+          <a:fontRef idx="minor">
+            <a:schemeClr val="lt1"/>
+          </a:fontRef>
+        </p:style>
+        <p:txBody>
+          <a:bodyPr rtlCol="0" anchor="ctr"/>
+          <a:lstStyle/>
+          <a:p>
+            <a:pPr algn="ctr"/>
+            <a:endParaRPr lang="en-US"/>
+          </a:p>
+        </p:txBody>
+      </p:sp>
+      <p:sp>
+        <p:nvSpPr>
+          <p:cNvPr id="23" name="Rectangle 22">
+            <a:extLst>
+              <a:ext uri="{FF2B5EF4-FFF2-40B4-BE49-F238E27FC236}">
+                <a16:creationId xmlns:a16="http://schemas.microsoft.com/office/drawing/2014/main" id="{982FFAB1-3028-42AF-BC2E-C4014E514E2A}"/>
+              </a:ext>
+            </a:extLst>
+          </p:cNvPr>
+          <p:cNvSpPr/>
+          <p:nvPr/>
+        </p:nvSpPr>
+        <p:spPr>
+          <a:xfrm>
+            <a:off x="8900721" y="2239861"/>
+            <a:ext cx="427839" cy="167779"/>
+          </a:xfrm>
+          <a:prstGeom prst="rect">
+            <a:avLst/>
+          </a:prstGeom>
+          <a:noFill/>
+        </p:spPr>
+        <p:style>
+          <a:lnRef idx="2">
+            <a:schemeClr val="accent1">
+              <a:shade val="50000"/>
+            </a:schemeClr>
+          </a:lnRef>
+          <a:fillRef idx="1">
+            <a:schemeClr val="accent1"/>
+          </a:fillRef>
+          <a:effectRef idx="0">
+            <a:schemeClr val="accent1"/>
+          </a:effectRef>
+          <a:fontRef idx="minor">
+            <a:schemeClr val="lt1"/>
+          </a:fontRef>
+        </p:style>
+        <p:txBody>
+          <a:bodyPr rtlCol="0" anchor="ctr"/>
+          <a:lstStyle/>
+          <a:p>
+            <a:pPr algn="ctr"/>
+            <a:endParaRPr lang="en-US"/>
+          </a:p>
+        </p:txBody>
+      </p:sp>
+      <p:sp>
+        <p:nvSpPr>
+          <p:cNvPr id="24" name="Rectangle 23">
+            <a:extLst>
+              <a:ext uri="{FF2B5EF4-FFF2-40B4-BE49-F238E27FC236}">
+                <a16:creationId xmlns:a16="http://schemas.microsoft.com/office/drawing/2014/main" id="{CC196375-574A-414D-A2D1-1D420D28BF85}"/>
+              </a:ext>
+            </a:extLst>
+          </p:cNvPr>
+          <p:cNvSpPr/>
+          <p:nvPr/>
+        </p:nvSpPr>
+        <p:spPr>
+          <a:xfrm>
+            <a:off x="9328560" y="2239860"/>
+            <a:ext cx="427839" cy="167779"/>
+          </a:xfrm>
+          <a:prstGeom prst="rect">
+            <a:avLst/>
+          </a:prstGeom>
+          <a:noFill/>
+        </p:spPr>
+        <p:style>
+          <a:lnRef idx="2">
+            <a:schemeClr val="accent1">
+              <a:shade val="50000"/>
+            </a:schemeClr>
+          </a:lnRef>
+          <a:fillRef idx="1">
+            <a:schemeClr val="accent1"/>
+          </a:fillRef>
+          <a:effectRef idx="0">
+            <a:schemeClr val="accent1"/>
+          </a:effectRef>
+          <a:fontRef idx="minor">
+            <a:schemeClr val="lt1"/>
+          </a:fontRef>
+        </p:style>
+        <p:txBody>
+          <a:bodyPr rtlCol="0" anchor="ctr"/>
+          <a:lstStyle/>
+          <a:p>
+            <a:pPr algn="ctr"/>
+            <a:endParaRPr lang="en-US"/>
+          </a:p>
+        </p:txBody>
+      </p:sp>
+      <p:sp>
+        <p:nvSpPr>
+          <p:cNvPr id="25" name="Rectangle 24">
+            <a:extLst>
+              <a:ext uri="{FF2B5EF4-FFF2-40B4-BE49-F238E27FC236}">
+                <a16:creationId xmlns:a16="http://schemas.microsoft.com/office/drawing/2014/main" id="{91C9F5EA-F213-46B0-B5AE-F07C3F72B3A3}"/>
+              </a:ext>
+            </a:extLst>
+          </p:cNvPr>
+          <p:cNvSpPr/>
+          <p:nvPr/>
+        </p:nvSpPr>
+        <p:spPr>
+          <a:xfrm>
+            <a:off x="9756399" y="2239859"/>
+            <a:ext cx="427839" cy="167779"/>
+          </a:xfrm>
+          <a:prstGeom prst="rect">
+            <a:avLst/>
+          </a:prstGeom>
+          <a:noFill/>
+        </p:spPr>
+        <p:style>
+          <a:lnRef idx="2">
+            <a:schemeClr val="accent1">
+              <a:shade val="50000"/>
+            </a:schemeClr>
+          </a:lnRef>
+          <a:fillRef idx="1">
+            <a:schemeClr val="accent1"/>
+          </a:fillRef>
+          <a:effectRef idx="0">
+            <a:schemeClr val="accent1"/>
+          </a:effectRef>
+          <a:fontRef idx="minor">
+            <a:schemeClr val="lt1"/>
+          </a:fontRef>
+        </p:style>
+        <p:txBody>
+          <a:bodyPr rtlCol="0" anchor="ctr"/>
+          <a:lstStyle/>
+          <a:p>
+            <a:pPr algn="ctr"/>
+            <a:endParaRPr lang="en-US"/>
+          </a:p>
+        </p:txBody>
+      </p:sp>
+      <p:sp>
+        <p:nvSpPr>
+          <p:cNvPr id="26" name="Rectangle 25">
+            <a:extLst>
+              <a:ext uri="{FF2B5EF4-FFF2-40B4-BE49-F238E27FC236}">
+                <a16:creationId xmlns:a16="http://schemas.microsoft.com/office/drawing/2014/main" id="{19452F8D-7980-4949-9CC5-CE9970B82EC0}"/>
+              </a:ext>
+            </a:extLst>
+          </p:cNvPr>
+          <p:cNvSpPr/>
+          <p:nvPr/>
+        </p:nvSpPr>
+        <p:spPr>
+          <a:xfrm>
+            <a:off x="10184238" y="2239858"/>
+            <a:ext cx="427839" cy="167779"/>
+          </a:xfrm>
+          <a:prstGeom prst="rect">
+            <a:avLst/>
+          </a:prstGeom>
+          <a:noFill/>
+        </p:spPr>
+        <p:style>
+          <a:lnRef idx="2">
+            <a:schemeClr val="accent1">
+              <a:shade val="50000"/>
+            </a:schemeClr>
+          </a:lnRef>
+          <a:fillRef idx="1">
+            <a:schemeClr val="accent1"/>
+          </a:fillRef>
+          <a:effectRef idx="0">
+            <a:schemeClr val="accent1"/>
+          </a:effectRef>
+          <a:fontRef idx="minor">
+            <a:schemeClr val="lt1"/>
+          </a:fontRef>
+        </p:style>
+        <p:txBody>
+          <a:bodyPr rtlCol="0" anchor="ctr"/>
+          <a:lstStyle/>
+          <a:p>
+            <a:pPr algn="ctr"/>
+            <a:endParaRPr lang="en-US"/>
+          </a:p>
+        </p:txBody>
+      </p:sp>
+      <p:sp>
+        <p:nvSpPr>
+          <p:cNvPr id="27" name="Arrow: Down 26">
+            <a:extLst>
+              <a:ext uri="{FF2B5EF4-FFF2-40B4-BE49-F238E27FC236}">
+                <a16:creationId xmlns:a16="http://schemas.microsoft.com/office/drawing/2014/main" id="{49819830-574C-462E-8DB9-C987D8720A6F}"/>
+              </a:ext>
+            </a:extLst>
+          </p:cNvPr>
+          <p:cNvSpPr/>
+          <p:nvPr/>
+        </p:nvSpPr>
+        <p:spPr>
+          <a:xfrm>
+            <a:off x="7278851" y="1824223"/>
+            <a:ext cx="254467" cy="335565"/>
+          </a:xfrm>
+          <a:prstGeom prst="downArrow">
+            <a:avLst/>
+          </a:prstGeom>
+        </p:spPr>
+        <p:style>
+          <a:lnRef idx="2">
+            <a:schemeClr val="accent1">
+              <a:shade val="50000"/>
+            </a:schemeClr>
+          </a:lnRef>
+          <a:fillRef idx="1">
+            <a:schemeClr val="accent1"/>
+          </a:fillRef>
+          <a:effectRef idx="0">
+            <a:schemeClr val="accent1"/>
+          </a:effectRef>
+          <a:fontRef idx="minor">
+            <a:schemeClr val="lt1"/>
+          </a:fontRef>
+        </p:style>
+        <p:txBody>
+          <a:bodyPr rtlCol="0" anchor="ctr"/>
+          <a:lstStyle/>
+          <a:p>
+            <a:pPr algn="ctr"/>
+            <a:endParaRPr lang="en-US"/>
+          </a:p>
+        </p:txBody>
+      </p:sp>
+      <p:sp>
+        <p:nvSpPr>
+          <p:cNvPr id="28" name="Rectangle 27">
+            <a:extLst>
+              <a:ext uri="{FF2B5EF4-FFF2-40B4-BE49-F238E27FC236}">
+                <a16:creationId xmlns:a16="http://schemas.microsoft.com/office/drawing/2014/main" id="{70D5B66B-1D08-4866-8DB4-9238131F1CEE}"/>
+              </a:ext>
+            </a:extLst>
+          </p:cNvPr>
+          <p:cNvSpPr/>
+          <p:nvPr/>
+        </p:nvSpPr>
+        <p:spPr>
+          <a:xfrm>
+            <a:off x="6531652" y="569263"/>
+            <a:ext cx="3882459" cy="1384995"/>
+          </a:xfrm>
+          <a:prstGeom prst="rect">
+            <a:avLst/>
+          </a:prstGeom>
+          <a:noFill/>
+        </p:spPr>
+        <p:txBody>
+          <a:bodyPr wrap="square" lIns="91440" tIns="45720" rIns="91440" bIns="45720">
+            <a:spAutoFit/>
+          </a:bodyPr>
+          <a:lstStyle/>
+          <a:p>
+            <a:pPr algn="ctr"/>
+            <a:r>
+              <a:rPr lang="en-US" sz="2800" dirty="0">
+                <a:ln w="0"/>
+                <a:effectLst>
+                  <a:outerShdw blurRad="38100" dist="19050" dir="2700000" algn="tl" rotWithShape="0">
+                    <a:schemeClr val="dk1">
+                      <a:alpha val="40000"/>
+                    </a:schemeClr>
+                  </a:outerShdw>
+                </a:effectLst>
+              </a:rPr>
+              <a:t>Currently there is no Risk. Keep it up ! Assess again after 3 months.</a:t>
+            </a:r>
+            <a:endParaRPr lang="en-US" sz="2800" b="0" cap="none" spc="0" dirty="0">
+              <a:ln w="0"/>
+              <a:solidFill>
+                <a:schemeClr val="tx1"/>
+              </a:solidFill>
+              <a:effectLst>
+                <a:outerShdw blurRad="38100" dist="19050" dir="2700000" algn="tl" rotWithShape="0">
+                  <a:schemeClr val="dk1">
+                    <a:alpha val="40000"/>
+                  </a:schemeClr>
+                </a:outerShdw>
+              </a:effectLst>
+            </a:endParaRPr>
           </a:p>
         </p:txBody>
       </p:sp>
